--- a/InternetDasCoisas/Aulas/Internet das Coisas (IoT).pptx
+++ b/InternetDasCoisas/Aulas/Internet das Coisas (IoT).pptx
@@ -112,6 +112,11 @@
       </a:defRPr>
     </a:lvl9pPr>
   </p:defaultTextStyle>
+  <p:extLst>
+    <p:ext uri="{EFAFB233-063F-42B5-8137-9DF3F51BA10A}">
+      <p15:sldGuideLst xmlns:p15="http://schemas.microsoft.com/office/powerpoint/2012/main"/>
+    </p:ext>
+  </p:extLst>
 </p:presentation>
 </file>
 
@@ -6636,8 +6641,8 @@
           <a:lstStyle/>
           <a:p>
             <a:r>
-              <a:rPr lang="pt-BR" sz="5400"/>
-              <a:t>Calendário 	</a:t>
+              <a:rPr lang="pt-BR" sz="5400" dirty="0"/>
+              <a:t>Informações	</a:t>
             </a:r>
           </a:p>
         </p:txBody>
@@ -7156,6 +7161,12 @@
           </a:bodyPr>
           <a:lstStyle/>
           <a:p>
+            <a:r>
+              <a:rPr lang="pt-BR" sz="2200" dirty="0">
+                <a:hlinkClick r:id="rId3"/>
+              </a:rPr>
+              <a:t>https://github.com/KevinSGuimaraes/TecnicoEmDesenvolvimentoDeSistemas</a:t>
+            </a:r>
             <a:endParaRPr lang="pt-BR" sz="2200" dirty="0"/>
           </a:p>
         </p:txBody>
